--- a/캡스톤2/캡스톤디자인2 2주차.pptx
+++ b/캡스톤2/캡스톤디자인2 2주차.pptx
@@ -269,7 +269,7 @@
           <a:p>
             <a:fld id="{CE885591-762D-4444-8B93-A258202A61C3}" type="datetimeFigureOut">
               <a:rPr kumimoji="1" lang="ko-KR" altLang="en-US" smtClean="0"/>
-              <a:t>2023-09-19</a:t>
+              <a:t>2023-12-01</a:t>
             </a:fld>
             <a:endParaRPr kumimoji="1" lang="ko-KR" altLang="en-US"/>
           </a:p>
@@ -467,7 +467,7 @@
           <a:p>
             <a:fld id="{CE885591-762D-4444-8B93-A258202A61C3}" type="datetimeFigureOut">
               <a:rPr kumimoji="1" lang="ko-KR" altLang="en-US" smtClean="0"/>
-              <a:t>2023-09-19</a:t>
+              <a:t>2023-12-01</a:t>
             </a:fld>
             <a:endParaRPr kumimoji="1" lang="ko-KR" altLang="en-US"/>
           </a:p>
@@ -675,7 +675,7 @@
           <a:p>
             <a:fld id="{CE885591-762D-4444-8B93-A258202A61C3}" type="datetimeFigureOut">
               <a:rPr kumimoji="1" lang="ko-KR" altLang="en-US" smtClean="0"/>
-              <a:t>2023-09-19</a:t>
+              <a:t>2023-12-01</a:t>
             </a:fld>
             <a:endParaRPr kumimoji="1" lang="ko-KR" altLang="en-US"/>
           </a:p>
@@ -873,7 +873,7 @@
           <a:p>
             <a:fld id="{CE885591-762D-4444-8B93-A258202A61C3}" type="datetimeFigureOut">
               <a:rPr kumimoji="1" lang="ko-KR" altLang="en-US" smtClean="0"/>
-              <a:t>2023-09-19</a:t>
+              <a:t>2023-12-01</a:t>
             </a:fld>
             <a:endParaRPr kumimoji="1" lang="ko-KR" altLang="en-US"/>
           </a:p>
@@ -1148,7 +1148,7 @@
           <a:p>
             <a:fld id="{CE885591-762D-4444-8B93-A258202A61C3}" type="datetimeFigureOut">
               <a:rPr kumimoji="1" lang="ko-KR" altLang="en-US" smtClean="0"/>
-              <a:t>2023-09-19</a:t>
+              <a:t>2023-12-01</a:t>
             </a:fld>
             <a:endParaRPr kumimoji="1" lang="ko-KR" altLang="en-US"/>
           </a:p>
@@ -1413,7 +1413,7 @@
           <a:p>
             <a:fld id="{CE885591-762D-4444-8B93-A258202A61C3}" type="datetimeFigureOut">
               <a:rPr kumimoji="1" lang="ko-KR" altLang="en-US" smtClean="0"/>
-              <a:t>2023-09-19</a:t>
+              <a:t>2023-12-01</a:t>
             </a:fld>
             <a:endParaRPr kumimoji="1" lang="ko-KR" altLang="en-US"/>
           </a:p>
@@ -1825,7 +1825,7 @@
           <a:p>
             <a:fld id="{CE885591-762D-4444-8B93-A258202A61C3}" type="datetimeFigureOut">
               <a:rPr kumimoji="1" lang="ko-KR" altLang="en-US" smtClean="0"/>
-              <a:t>2023-09-19</a:t>
+              <a:t>2023-12-01</a:t>
             </a:fld>
             <a:endParaRPr kumimoji="1" lang="ko-KR" altLang="en-US"/>
           </a:p>
@@ -1966,7 +1966,7 @@
           <a:p>
             <a:fld id="{CE885591-762D-4444-8B93-A258202A61C3}" type="datetimeFigureOut">
               <a:rPr kumimoji="1" lang="ko-KR" altLang="en-US" smtClean="0"/>
-              <a:t>2023-09-19</a:t>
+              <a:t>2023-12-01</a:t>
             </a:fld>
             <a:endParaRPr kumimoji="1" lang="ko-KR" altLang="en-US"/>
           </a:p>
@@ -2079,7 +2079,7 @@
           <a:p>
             <a:fld id="{CE885591-762D-4444-8B93-A258202A61C3}" type="datetimeFigureOut">
               <a:rPr kumimoji="1" lang="ko-KR" altLang="en-US" smtClean="0"/>
-              <a:t>2023-09-19</a:t>
+              <a:t>2023-12-01</a:t>
             </a:fld>
             <a:endParaRPr kumimoji="1" lang="ko-KR" altLang="en-US"/>
           </a:p>
@@ -2390,7 +2390,7 @@
           <a:p>
             <a:fld id="{CE885591-762D-4444-8B93-A258202A61C3}" type="datetimeFigureOut">
               <a:rPr kumimoji="1" lang="ko-KR" altLang="en-US" smtClean="0"/>
-              <a:t>2023-09-19</a:t>
+              <a:t>2023-12-01</a:t>
             </a:fld>
             <a:endParaRPr kumimoji="1" lang="ko-KR" altLang="en-US"/>
           </a:p>
@@ -2678,7 +2678,7 @@
           <a:p>
             <a:fld id="{CE885591-762D-4444-8B93-A258202A61C3}" type="datetimeFigureOut">
               <a:rPr kumimoji="1" lang="ko-KR" altLang="en-US" smtClean="0"/>
-              <a:t>2023-09-19</a:t>
+              <a:t>2023-12-01</a:t>
             </a:fld>
             <a:endParaRPr kumimoji="1" lang="ko-KR" altLang="en-US"/>
           </a:p>
@@ -2919,7 +2919,7 @@
           <a:p>
             <a:fld id="{CE885591-762D-4444-8B93-A258202A61C3}" type="datetimeFigureOut">
               <a:rPr kumimoji="1" lang="ko-KR" altLang="en-US" smtClean="0"/>
-              <a:t>2023-09-19</a:t>
+              <a:t>2023-12-01</a:t>
             </a:fld>
             <a:endParaRPr kumimoji="1" lang="ko-KR" altLang="en-US"/>
           </a:p>
@@ -7868,7 +7868,7 @@
           <a:lstStyle/>
           <a:p>
             <a:r>
-              <a:rPr lang="ko-KR" altLang="en-US" sz="2200">
+              <a:rPr lang="ko-KR" altLang="en-US" sz="2200" dirty="0">
                 <a:solidFill>
                   <a:schemeClr val="tx1">
                     <a:lumMod val="75000"/>
@@ -7877,7 +7877,7 @@
                 </a:solidFill>
                 <a:latin typeface="+mn-ea"/>
               </a:rPr>
-              <a:t>구성원 및 역할 분배 소개</a:t>
+              <a:t>프로젝트 구성도</a:t>
             </a:r>
           </a:p>
         </p:txBody>
@@ -7914,7 +7914,7 @@
           <a:lstStyle/>
           <a:p>
             <a:r>
-              <a:rPr lang="ko-KR" altLang="en-US" sz="2200" err="1">
+              <a:rPr lang="ko-KR" altLang="en-US" sz="2200" dirty="0">
                 <a:solidFill>
                   <a:schemeClr val="tx1">
                     <a:lumMod val="75000"/>
@@ -7923,10 +7923,10 @@
                 </a:solidFill>
                 <a:latin typeface="+mn-ea"/>
               </a:rPr>
-              <a:t>간트</a:t>
-            </a:r>
-            <a:r>
-              <a:rPr lang="ko-KR" altLang="en-US" sz="2200">
+              <a:t>프로젝트 내용 </a:t>
+            </a:r>
+            <a:r>
+              <a:rPr lang="en-US" altLang="ko-KR" sz="2200" dirty="0">
                 <a:solidFill>
                   <a:schemeClr val="tx1">
                     <a:lumMod val="75000"/>
@@ -7935,8 +7935,41 @@
                 </a:solidFill>
                 <a:latin typeface="+mn-ea"/>
               </a:rPr>
-              <a:t> 차트 스케줄표</a:t>
-            </a:r>
+              <a:t>(</a:t>
+            </a:r>
+            <a:r>
+              <a:rPr lang="ko-KR" altLang="en-US" sz="2200" dirty="0">
+                <a:solidFill>
+                  <a:schemeClr val="tx1">
+                    <a:lumMod val="75000"/>
+                    <a:lumOff val="25000"/>
+                  </a:schemeClr>
+                </a:solidFill>
+                <a:latin typeface="+mn-ea"/>
+              </a:rPr>
+              <a:t>진행 사행</a:t>
+            </a:r>
+            <a:r>
+              <a:rPr lang="en-US" altLang="ko-KR" sz="2200" dirty="0">
+                <a:solidFill>
+                  <a:schemeClr val="tx1">
+                    <a:lumMod val="75000"/>
+                    <a:lumOff val="25000"/>
+                  </a:schemeClr>
+                </a:solidFill>
+                <a:latin typeface="+mn-ea"/>
+              </a:rPr>
+              <a:t>)</a:t>
+            </a:r>
+            <a:endParaRPr lang="ko-KR" altLang="en-US" sz="2200" dirty="0">
+              <a:solidFill>
+                <a:schemeClr val="tx1">
+                  <a:lumMod val="75000"/>
+                  <a:lumOff val="25000"/>
+                </a:schemeClr>
+              </a:solidFill>
+              <a:latin typeface="+mn-ea"/>
+            </a:endParaRPr>
           </a:p>
         </p:txBody>
       </p:sp>
@@ -7972,7 +8005,7 @@
           <a:lstStyle/>
           <a:p>
             <a:r>
-              <a:rPr lang="ko-KR" altLang="en-US" sz="2200">
+              <a:rPr lang="ko-KR" altLang="en-US" sz="2200" dirty="0">
                 <a:solidFill>
                   <a:schemeClr val="tx1">
                     <a:lumMod val="75000"/>
@@ -7981,7 +8014,7 @@
                 </a:solidFill>
                 <a:latin typeface="+mn-ea"/>
               </a:rPr>
-              <a:t>문제 제기 및 주제 선정 이유</a:t>
+              <a:t>프로젝트 소개</a:t>
             </a:r>
           </a:p>
         </p:txBody>
@@ -8018,7 +8051,7 @@
           <a:lstStyle/>
           <a:p>
             <a:r>
-              <a:rPr lang="ko-KR" altLang="en-US" sz="2200">
+              <a:rPr lang="en-US" altLang="ko-KR" sz="2200" dirty="0">
                 <a:solidFill>
                   <a:schemeClr val="tx1">
                     <a:lumMod val="75000"/>
@@ -8028,7 +8061,46 @@
                 <a:latin typeface="Gmarket Sans Medium" panose="02000000000000000000" pitchFamily="2" charset="-128"/>
                 <a:ea typeface="G마켓 산스 Medium"/>
               </a:rPr>
-              <a:t>요약</a:t>
+              <a:t>   </a:t>
+            </a:r>
+            <a:r>
+              <a:rPr lang="ko-KR" altLang="en-US" sz="2200" dirty="0">
+                <a:solidFill>
+                  <a:schemeClr val="tx1">
+                    <a:lumMod val="75000"/>
+                    <a:lumOff val="25000"/>
+                  </a:schemeClr>
+                </a:solidFill>
+                <a:latin typeface="Gmarket Sans Medium" panose="02000000000000000000" pitchFamily="2" charset="-128"/>
+                <a:ea typeface="G마켓 산스 Medium"/>
+              </a:rPr>
+              <a:t>한계점 </a:t>
+            </a:r>
+            <a:r>
+              <a:rPr lang="en-US" altLang="ko-KR" sz="2200" dirty="0">
+                <a:solidFill>
+                  <a:schemeClr val="tx1">
+                    <a:lumMod val="75000"/>
+                    <a:lumOff val="25000"/>
+                  </a:schemeClr>
+                </a:solidFill>
+                <a:latin typeface="Gmarket Sans Medium" panose="02000000000000000000" pitchFamily="2" charset="-128"/>
+                <a:ea typeface="G마켓 산스 Medium"/>
+              </a:rPr>
+              <a:t>/ </a:t>
+            </a:r>
+            <a:r>
+              <a:rPr lang="ko-KR" altLang="en-US" sz="2200" dirty="0">
+                <a:solidFill>
+                  <a:schemeClr val="tx1">
+                    <a:lumMod val="75000"/>
+                    <a:lumOff val="25000"/>
+                  </a:schemeClr>
+                </a:solidFill>
+                <a:latin typeface="Gmarket Sans Medium" panose="02000000000000000000" pitchFamily="2" charset="-128"/>
+                <a:ea typeface="G마켓 산스 Medium"/>
+              </a:rPr>
+              <a:t>개선 방안</a:t>
             </a:r>
           </a:p>
         </p:txBody>
@@ -8065,7 +8137,7 @@
           <a:lstStyle/>
           <a:p>
             <a:r>
-              <a:rPr lang="ko-KR" altLang="en-US" sz="2200">
+              <a:rPr lang="ko-KR" altLang="en-US" sz="2200" dirty="0">
                 <a:solidFill>
                   <a:schemeClr val="tx1">
                     <a:lumMod val="75000"/>
@@ -8074,7 +8146,7 @@
                 </a:solidFill>
                 <a:latin typeface="+mn-ea"/>
               </a:rPr>
-              <a:t>구현 방안 및 기대효과</a:t>
+              <a:t>프로젝트 선정 이유</a:t>
             </a:r>
           </a:p>
         </p:txBody>
@@ -14270,7 +14342,7 @@
               <a:buChar char="-"/>
             </a:pPr>
             <a:r>
-              <a:rPr lang="ko-KR" altLang="en-US" b="1" spc="-150">
+              <a:rPr lang="ko-KR" altLang="en-US" b="1" spc="-150" dirty="0">
                 <a:solidFill>
                   <a:schemeClr val="tx1">
                     <a:lumMod val="75000"/>
@@ -14281,7 +14353,7 @@
               </a:rPr>
               <a:t>UXUI 디자인 및 퍼블리싱</a:t>
             </a:r>
-            <a:endParaRPr lang="ko-KR">
+            <a:endParaRPr lang="ko-KR" dirty="0">
               <a:solidFill>
                 <a:schemeClr val="tx1">
                   <a:lumMod val="75000"/>
@@ -14297,7 +14369,7 @@
               <a:buChar char="-"/>
             </a:pPr>
             <a:r>
-              <a:rPr lang="ko-KR" altLang="en-US" b="1" spc="-150">
+              <a:rPr lang="ko-KR" altLang="en-US" b="1" spc="-150" dirty="0">
                 <a:solidFill>
                   <a:schemeClr val="tx1">
                     <a:lumMod val="75000"/>
@@ -14315,7 +14387,7 @@
               <a:buChar char="-"/>
             </a:pPr>
             <a:r>
-              <a:rPr lang="ko-KR" altLang="en-US" b="1" spc="-150">
+              <a:rPr lang="ko-KR" altLang="en-US" b="1" spc="-150" dirty="0">
                 <a:solidFill>
                   <a:schemeClr val="tx1">
                     <a:lumMod val="75000"/>
@@ -14362,7 +14434,7 @@
               <a:buChar char="-"/>
             </a:pPr>
             <a:r>
-              <a:rPr lang="ko-KR" altLang="en-US" b="1" spc="-150">
+              <a:rPr lang="ko-KR" altLang="en-US" b="1" spc="-150" dirty="0">
                 <a:solidFill>
                   <a:schemeClr val="tx1">
                     <a:lumMod val="75000"/>
@@ -14374,7 +14446,7 @@
               </a:rPr>
               <a:t>데이터 모델링 및 API 개발</a:t>
             </a:r>
-            <a:endParaRPr lang="ko-KR" altLang="en-US" b="1" spc="-150">
+            <a:endParaRPr lang="ko-KR" altLang="en-US" b="1" spc="-150" dirty="0">
               <a:solidFill>
                 <a:schemeClr val="tx1">
                   <a:lumMod val="75000"/>
@@ -14391,7 +14463,7 @@
               <a:buChar char="-"/>
             </a:pPr>
             <a:r>
-              <a:rPr lang="ko-KR" altLang="en-US" b="1" spc="-150" err="1">
+              <a:rPr lang="ko-KR" altLang="en-US" b="1" spc="-150" dirty="0" err="1">
                 <a:solidFill>
                   <a:schemeClr val="tx1">
                     <a:lumMod val="75000"/>
@@ -14404,7 +14476,7 @@
               <a:t>거리별</a:t>
             </a:r>
             <a:r>
-              <a:rPr lang="ko-KR" altLang="en-US" b="1" spc="-150">
+              <a:rPr lang="ko-KR" altLang="en-US" b="1" spc="-150" dirty="0">
                 <a:solidFill>
                   <a:schemeClr val="tx1">
                     <a:lumMod val="75000"/>
@@ -14423,7 +14495,7 @@
               <a:buChar char="-"/>
             </a:pPr>
             <a:r>
-              <a:rPr lang="ko-KR" altLang="en-US" b="1" spc="-150">
+              <a:rPr lang="ko-KR" altLang="en-US" b="1" spc="-150" dirty="0">
                 <a:solidFill>
                   <a:schemeClr val="tx1">
                     <a:lumMod val="75000"/>
@@ -14435,7 +14507,7 @@
               </a:rPr>
               <a:t>취향 분석 추천 알고리즘 개발</a:t>
             </a:r>
-            <a:endParaRPr lang="ko-KR" altLang="en-US" b="1" spc="-150">
+            <a:endParaRPr lang="ko-KR" altLang="en-US" b="1" spc="-150" dirty="0">
               <a:solidFill>
                 <a:schemeClr val="tx1">
                   <a:lumMod val="75000"/>
@@ -14481,7 +14553,7 @@
               <a:buChar char="-"/>
             </a:pPr>
             <a:r>
-              <a:rPr lang="ko-KR" altLang="en-US" b="1" spc="-150">
+              <a:rPr lang="ko-KR" altLang="en-US" b="1" spc="-150" dirty="0">
                 <a:solidFill>
                   <a:schemeClr val="tx1">
                     <a:lumMod val="75000"/>
@@ -14493,7 +14565,7 @@
               <a:t>데이터 </a:t>
             </a:r>
             <a:r>
-              <a:rPr lang="ko-KR" altLang="en-US" b="1" spc="-150" err="1">
+              <a:rPr lang="ko-KR" altLang="en-US" b="1" spc="-150" dirty="0" err="1">
                 <a:solidFill>
                   <a:schemeClr val="tx1">
                     <a:lumMod val="75000"/>
@@ -14504,7 +14576,7 @@
               </a:rPr>
               <a:t>전처리</a:t>
             </a:r>
-            <a:endParaRPr lang="en-US" altLang="ko-KR" b="1" spc="-150">
+            <a:endParaRPr lang="en-US" altLang="ko-KR" b="1" spc="-150" dirty="0">
               <a:solidFill>
                 <a:schemeClr val="tx1">
                   <a:lumMod val="75000"/>
@@ -14520,7 +14592,7 @@
               <a:buChar char="-"/>
             </a:pPr>
             <a:r>
-              <a:rPr lang="ko-KR" altLang="en-US" b="1" spc="-150">
+              <a:rPr lang="ko-KR" altLang="en-US" b="1" spc="-150" dirty="0">
                 <a:solidFill>
                   <a:schemeClr val="tx1">
                     <a:lumMod val="75000"/>
@@ -14531,7 +14603,7 @@
               </a:rPr>
               <a:t>데이터 시각화</a:t>
             </a:r>
-            <a:endParaRPr lang="en-US" altLang="ko-KR" b="1" spc="-150">
+            <a:endParaRPr lang="en-US" altLang="ko-KR" b="1" spc="-150" dirty="0">
               <a:solidFill>
                 <a:schemeClr val="tx1">
                   <a:lumMod val="75000"/>
@@ -14547,7 +14619,7 @@
               <a:buChar char="-"/>
             </a:pPr>
             <a:r>
-              <a:rPr lang="ko-KR" altLang="en-US" b="1" spc="-150">
+              <a:rPr lang="ko-KR" altLang="en-US" b="1" spc="-150" dirty="0">
                 <a:solidFill>
                   <a:schemeClr val="tx1">
                     <a:lumMod val="75000"/>
@@ -15313,6 +15385,23 @@
 </file>
 
 <file path=customXml/item1.xml><?xml version="1.0" encoding="utf-8"?>
+<p:properties xmlns:p="http://schemas.microsoft.com/office/2006/metadata/properties" xmlns:xsi="http://www.w3.org/2001/XMLSchema-instance" xmlns:pc="http://schemas.microsoft.com/office/infopath/2007/PartnerControls">
+  <documentManagement>
+    <_activity xmlns="13d124a2-c2bf-4eef-968b-b2a07337cfa0" xsi:nil="true"/>
+  </documentManagement>
+</p:properties>
+</file>
+
+<file path=customXml/item2.xml><?xml version="1.0" encoding="utf-8"?>
+<?mso-contentType ?>
+<FormTemplates xmlns="http://schemas.microsoft.com/sharepoint/v3/contenttype/forms">
+  <Display>DocumentLibraryForm</Display>
+  <Edit>DocumentLibraryForm</Edit>
+  <New>DocumentLibraryForm</New>
+</FormTemplates>
+</file>
+
+<file path=customXml/item3.xml><?xml version="1.0" encoding="utf-8"?>
 <ct:contentTypeSchema xmlns:ct="http://schemas.microsoft.com/office/2006/metadata/contentType" xmlns:ma="http://schemas.microsoft.com/office/2006/metadata/properties/metaAttributes" ct:_="" ma:_="" ma:contentTypeName="문서" ma:contentTypeID="0x010100995E7883DCBA8C4FB3BF7D68B2CF431B" ma:contentTypeVersion="6" ma:contentTypeDescription="새 문서를 만듭니다." ma:contentTypeScope="" ma:versionID="58d92a3a3ed501c0355456a3187782b2">
   <xsd:schema xmlns:xsd="http://www.w3.org/2001/XMLSchema" xmlns:xs="http://www.w3.org/2001/XMLSchema" xmlns:p="http://schemas.microsoft.com/office/2006/metadata/properties" xmlns:ns3="13d124a2-c2bf-4eef-968b-b2a07337cfa0" targetNamespace="http://schemas.microsoft.com/office/2006/metadata/properties" ma:root="true" ma:fieldsID="efac7e19e4db02f98565d66be55a6476" ns3:_="">
     <xsd:import namespace="13d124a2-c2bf-4eef-968b-b2a07337cfa0"/>
@@ -15470,24 +15559,31 @@
 </ct:contentTypeSchema>
 </file>
 
-<file path=customXml/item2.xml><?xml version="1.0" encoding="utf-8"?>
-<?mso-contentType ?>
-<FormTemplates xmlns="http://schemas.microsoft.com/sharepoint/v3/contenttype/forms">
-  <Display>DocumentLibraryForm</Display>
-  <Edit>DocumentLibraryForm</Edit>
-  <New>DocumentLibraryForm</New>
-</FormTemplates>
+<file path=customXml/itemProps1.xml><?xml version="1.0" encoding="utf-8"?>
+<ds:datastoreItem xmlns:ds="http://schemas.openxmlformats.org/officeDocument/2006/customXml" ds:itemID="{157092CF-1601-4FCE-9D36-51DC89D87C59}">
+  <ds:schemaRefs>
+    <ds:schemaRef ds:uri="13d124a2-c2bf-4eef-968b-b2a07337cfa0"/>
+    <ds:schemaRef ds:uri="http://purl.org/dc/dcmitype/"/>
+    <ds:schemaRef ds:uri="http://purl.org/dc/elements/1.1/"/>
+    <ds:schemaRef ds:uri="http://purl.org/dc/terms/"/>
+    <ds:schemaRef ds:uri="http://schemas.microsoft.com/office/2006/documentManagement/types"/>
+    <ds:schemaRef ds:uri="http://schemas.microsoft.com/office/2006/metadata/properties"/>
+    <ds:schemaRef ds:uri="http://schemas.microsoft.com/office/infopath/2007/PartnerControls"/>
+    <ds:schemaRef ds:uri="http://schemas.openxmlformats.org/package/2006/metadata/core-properties"/>
+    <ds:schemaRef ds:uri="http://www.w3.org/XML/1998/namespace"/>
+  </ds:schemaRefs>
+</ds:datastoreItem>
 </file>
 
-<file path=customXml/item3.xml><?xml version="1.0" encoding="utf-8"?>
-<p:properties xmlns:p="http://schemas.microsoft.com/office/2006/metadata/properties" xmlns:xsi="http://www.w3.org/2001/XMLSchema-instance" xmlns:pc="http://schemas.microsoft.com/office/infopath/2007/PartnerControls">
-  <documentManagement>
-    <_activity xmlns="13d124a2-c2bf-4eef-968b-b2a07337cfa0" xsi:nil="true"/>
-  </documentManagement>
-</p:properties>
+<file path=customXml/itemProps2.xml><?xml version="1.0" encoding="utf-8"?>
+<ds:datastoreItem xmlns:ds="http://schemas.openxmlformats.org/officeDocument/2006/customXml" ds:itemID="{0B8EB8C2-A9D4-42F9-8D1A-6F7A7B3ACD86}">
+  <ds:schemaRefs>
+    <ds:schemaRef ds:uri="http://schemas.microsoft.com/sharepoint/v3/contenttype/forms"/>
+  </ds:schemaRefs>
+</ds:datastoreItem>
 </file>
 
-<file path=customXml/itemProps1.xml><?xml version="1.0" encoding="utf-8"?>
+<file path=customXml/itemProps3.xml><?xml version="1.0" encoding="utf-8"?>
 <ds:datastoreItem xmlns:ds="http://schemas.openxmlformats.org/officeDocument/2006/customXml" ds:itemID="{93447DCF-E6CD-4742-8FFD-3AF3D3458556}">
   <ds:schemaRefs>
     <ds:schemaRef ds:uri="13d124a2-c2bf-4eef-968b-b2a07337cfa0"/>
@@ -15503,28 +15599,4 @@
     <ds:schemaRef ds:uri="http://www.w3.org/2001/XMLSchema"/>
   </ds:schemaRefs>
 </ds:datastoreItem>
-</file>
-
-<file path=customXml/itemProps2.xml><?xml version="1.0" encoding="utf-8"?>
-<ds:datastoreItem xmlns:ds="http://schemas.openxmlformats.org/officeDocument/2006/customXml" ds:itemID="{0B8EB8C2-A9D4-42F9-8D1A-6F7A7B3ACD86}">
-  <ds:schemaRefs>
-    <ds:schemaRef ds:uri="http://schemas.microsoft.com/sharepoint/v3/contenttype/forms"/>
-  </ds:schemaRefs>
-</ds:datastoreItem>
-</file>
-
-<file path=customXml/itemProps3.xml><?xml version="1.0" encoding="utf-8"?>
-<ds:datastoreItem xmlns:ds="http://schemas.openxmlformats.org/officeDocument/2006/customXml" ds:itemID="{157092CF-1601-4FCE-9D36-51DC89D87C59}">
-  <ds:schemaRefs>
-    <ds:schemaRef ds:uri="13d124a2-c2bf-4eef-968b-b2a07337cfa0"/>
-    <ds:schemaRef ds:uri="http://purl.org/dc/dcmitype/"/>
-    <ds:schemaRef ds:uri="http://purl.org/dc/elements/1.1/"/>
-    <ds:schemaRef ds:uri="http://purl.org/dc/terms/"/>
-    <ds:schemaRef ds:uri="http://schemas.microsoft.com/office/2006/documentManagement/types"/>
-    <ds:schemaRef ds:uri="http://schemas.microsoft.com/office/2006/metadata/properties"/>
-    <ds:schemaRef ds:uri="http://schemas.microsoft.com/office/infopath/2007/PartnerControls"/>
-    <ds:schemaRef ds:uri="http://schemas.openxmlformats.org/package/2006/metadata/core-properties"/>
-    <ds:schemaRef ds:uri="http://www.w3.org/XML/1998/namespace"/>
-  </ds:schemaRefs>
-</ds:datastoreItem>
 </file>